--- a/slides/SNA_LinkPrediction_Practice.pptx
+++ b/slides/SNA_LinkPrediction_Practice.pptx
@@ -126,7 +126,7 @@
   </p:defaultTextStyle>
   <p:extLst>
     <p:ext uri="{EFAFB233-063F-42B5-8137-9DF3F51BA10A}">
-      <p15:sldGuideLst xmlns:p15="http://schemas.microsoft.com/office/powerpoint/2012/main" xmlns="">
+      <p15:sldGuideLst xmlns:p15="http://schemas.microsoft.com/office/powerpoint/2012/main">
         <p15:guide id="1" orient="horz" pos="2160">
           <p15:clr>
             <a:srgbClr val="A4A3A4"/>
@@ -140,7 +140,7 @@
       </p15:sldGuideLst>
     </p:ext>
     <p:ext uri="{2D200454-40CA-4A62-9FC3-DE9A4176ACB9}">
-      <p15:notesGuideLst xmlns:p15="http://schemas.microsoft.com/office/powerpoint/2012/main" xmlns="">
+      <p15:notesGuideLst xmlns:p15="http://schemas.microsoft.com/office/powerpoint/2012/main">
         <p15:guide id="1" orient="horz" pos="3224">
           <p15:clr>
             <a:srgbClr val="A4A3A4"/>
@@ -5986,23 +5986,32 @@
           <a:lstStyle/>
           <a:p>
             <a:r>
-              <a:rPr lang="en-US" altLang="zh-TW" dirty="0" err="1"/>
-              <a:t>MSLab</a:t>
-            </a:r>
-            <a:r>
-              <a:rPr lang="en-US" altLang="zh-TW" dirty="0"/>
-              <a:t> </a:t>
-            </a:r>
-            <a:r>
-              <a:rPr lang="en-US" altLang="zh-TW" dirty="0" smtClean="0"/>
-              <a:t> Wei-Ming</a:t>
-            </a:r>
-            <a:endParaRPr lang="en-US" altLang="zh-TW" dirty="0"/>
-          </a:p>
-          <a:p>
-            <a:r>
-              <a:rPr lang="en-US" altLang="zh-TW" dirty="0"/>
-              <a:t>2014 tutorial</a:t>
+              <a:rPr lang="fr-FR" altLang="zh-TW" dirty="0"/>
+              <a:t>Lecture for ITRI</a:t>
+            </a:r>
+            <a:br>
+              <a:rPr lang="fr-FR" altLang="zh-TW" dirty="0"/>
+            </a:br>
+            <a:r>
+              <a:rPr lang="fr-FR" altLang="zh-TW" dirty="0"/>
+              <a:t>Shou-De Lin,</a:t>
+            </a:r>
+            <a:br>
+              <a:rPr lang="fr-FR" altLang="zh-TW" dirty="0"/>
+            </a:br>
+            <a:r>
+              <a:rPr lang="fr-FR" altLang="zh-TW" dirty="0"/>
+              <a:t>CSIE, </a:t>
+            </a:r>
+            <a:r>
+              <a:rPr lang="fr-FR" altLang="zh-TW" dirty="0" smtClean="0"/>
+              <a:t>NTU</a:t>
+            </a:r>
+          </a:p>
+          <a:p>
+            <a:r>
+              <a:rPr lang="fr-FR" altLang="zh-TW" dirty="0" smtClean="0"/>
+              <a:t>TA: Wei-Ming Chen</a:t>
             </a:r>
             <a:endParaRPr lang="zh-TW" altLang="en-US" dirty="0"/>
           </a:p>
@@ -6259,13 +6268,8 @@
           <a:p>
             <a:r>
               <a:rPr lang="en-US" altLang="zh-TW" dirty="0" smtClean="0"/>
-              <a:t>task3/extract_feature.py – Line </a:t>
-            </a:r>
-            <a:r>
-              <a:rPr lang="en-US" altLang="zh-TW" dirty="0" smtClean="0"/>
-              <a:t>46</a:t>
-            </a:r>
-            <a:endParaRPr lang="en-US" altLang="zh-TW" dirty="0" smtClean="0"/>
+              <a:t>task3/extract_feature.py – Line 46</a:t>
+            </a:r>
           </a:p>
           <a:p>
             <a:r>
@@ -6711,13 +6715,8 @@
             </a:r>
             <a:r>
               <a:rPr lang="en-US" altLang="zh-TW" dirty="0" smtClean="0"/>
-              <a:t>– Line </a:t>
-            </a:r>
-            <a:r>
-              <a:rPr lang="en-US" altLang="zh-TW" dirty="0" smtClean="0"/>
-              <a:t>88</a:t>
-            </a:r>
-            <a:endParaRPr lang="en-US" altLang="zh-TW" dirty="0" smtClean="0"/>
+              <a:t>– Line 88</a:t>
+            </a:r>
           </a:p>
           <a:p>
             <a:r>
@@ -6844,18 +6843,14 @@
           <a:p>
             <a:r>
               <a:rPr lang="en-US" altLang="zh-TW" dirty="0" smtClean="0"/>
-              <a:t>Task </a:t>
-            </a:r>
-            <a:r>
-              <a:rPr lang="en-US" altLang="zh-TW" dirty="0" smtClean="0"/>
-              <a:t>6</a:t>
+              <a:t>Task 6</a:t>
             </a:r>
             <a:endParaRPr lang="zh-TW" altLang="en-US" dirty="0"/>
           </a:p>
         </p:txBody>
       </p:sp>
-      <mc:AlternateContent xmlns:mc="http://schemas.openxmlformats.org/markup-compatibility/2006">
-        <mc:Choice xmlns:a14="http://schemas.microsoft.com/office/drawing/2010/main" Requires="a14">
+      <mc:AlternateContent xmlns:mc="http://schemas.openxmlformats.org/markup-compatibility/2006" xmlns:a14="http://schemas.microsoft.com/office/drawing/2010/main">
+        <mc:Choice Requires="a14">
           <p:sp>
             <p:nvSpPr>
               <p:cNvPr id="3" name="內容版面配置區 2"/>
@@ -6879,13 +6874,8 @@
                 </a:r>
                 <a:r>
                   <a:rPr lang="en-US" altLang="zh-TW" dirty="0" smtClean="0"/>
-                  <a:t>– Line </a:t>
+                  <a:t>– Line 217</a:t>
                 </a:r>
-                <a:r>
-                  <a:rPr lang="en-US" altLang="zh-TW" dirty="0" smtClean="0"/>
-                  <a:t>217</a:t>
-                </a:r>
-                <a:endParaRPr lang="en-US" altLang="zh-TW" dirty="0" smtClean="0"/>
               </a:p>
               <a:p>
                 <a:r>
@@ -6912,7 +6902,7 @@
                       <m:sSubPr>
                         <m:ctrlPr>
                           <a:rPr lang="en-US" altLang="zh-TW" b="0" i="1" dirty="0" smtClean="0">
-                            <a:latin typeface="Cambria Math"/>
+                            <a:latin typeface="Cambria Math" panose="02040503050406030204" pitchFamily="18" charset="0"/>
                           </a:rPr>
                         </m:ctrlPr>
                       </m:sSubPr>
@@ -6949,7 +6939,7 @@
                       <m:sSubPr>
                         <m:ctrlPr>
                           <a:rPr lang="en-US" altLang="zh-TW" b="0" i="1" dirty="0" smtClean="0">
-                            <a:latin typeface="Cambria Math"/>
+                            <a:latin typeface="Cambria Math" panose="02040503050406030204" pitchFamily="18" charset="0"/>
                           </a:rPr>
                         </m:ctrlPr>
                       </m:sSubPr>
@@ -7037,7 +7027,7 @@
                             <a:solidFill>
                               <a:srgbClr val="0D13FF"/>
                             </a:solidFill>
-                            <a:latin typeface="Cambria Math"/>
+                            <a:latin typeface="Cambria Math" panose="02040503050406030204" pitchFamily="18" charset="0"/>
                           </a:rPr>
                         </m:ctrlPr>
                       </m:fPr>
@@ -7051,7 +7041,7 @@
                                 <a:solidFill>
                                   <a:srgbClr val="0D13FF"/>
                                 </a:solidFill>
-                                <a:latin typeface="Cambria Math"/>
+                                <a:latin typeface="Cambria Math" panose="02040503050406030204" pitchFamily="18" charset="0"/>
                               </a:rPr>
                             </m:ctrlPr>
                           </m:dPr>
@@ -7063,7 +7053,7 @@
                                     <a:solidFill>
                                       <a:srgbClr val="0D13FF"/>
                                     </a:solidFill>
-                                    <a:latin typeface="Cambria Math"/>
+                                    <a:latin typeface="Cambria Math" panose="02040503050406030204" pitchFamily="18" charset="0"/>
                                   </a:rPr>
                                 </m:ctrlPr>
                               </m:sSubPr>
@@ -7125,7 +7115,7 @@
                                     <a:solidFill>
                                       <a:srgbClr val="0D13FF"/>
                                     </a:solidFill>
-                                    <a:latin typeface="Cambria Math"/>
+                                    <a:latin typeface="Cambria Math" panose="02040503050406030204" pitchFamily="18" charset="0"/>
                                   </a:rPr>
                                 </m:ctrlPr>
                               </m:sSubPr>
@@ -7165,7 +7155,7 @@
                                 <a:solidFill>
                                   <a:srgbClr val="0D13FF"/>
                                 </a:solidFill>
-                                <a:latin typeface="Cambria Math"/>
+                                <a:latin typeface="Cambria Math" panose="02040503050406030204" pitchFamily="18" charset="0"/>
                               </a:rPr>
                             </m:ctrlPr>
                           </m:dPr>
@@ -7177,7 +7167,7 @@
                                     <a:solidFill>
                                       <a:srgbClr val="0D13FF"/>
                                     </a:solidFill>
-                                    <a:latin typeface="Cambria Math"/>
+                                    <a:latin typeface="Cambria Math" panose="02040503050406030204" pitchFamily="18" charset="0"/>
                                   </a:rPr>
                                 </m:ctrlPr>
                               </m:sSubPr>
@@ -7239,7 +7229,7 @@
                                     <a:solidFill>
                                       <a:srgbClr val="0D13FF"/>
                                     </a:solidFill>
-                                    <a:latin typeface="Cambria Math"/>
+                                    <a:latin typeface="Cambria Math" panose="02040503050406030204" pitchFamily="18" charset="0"/>
                                   </a:rPr>
                                 </m:ctrlPr>
                               </m:sSubPr>
@@ -7298,7 +7288,7 @@
             </p:txBody>
           </p:sp>
         </mc:Choice>
-        <mc:Fallback>
+        <mc:Fallback xmlns="">
           <p:sp>
             <p:nvSpPr>
               <p:cNvPr id="3" name="內容版面配置區 2"/>
@@ -7430,11 +7420,7 @@
           <a:p>
             <a:r>
               <a:rPr lang="en-US" altLang="zh-TW" dirty="0" smtClean="0"/>
-              <a:t>Task </a:t>
-            </a:r>
-            <a:r>
-              <a:rPr lang="en-US" altLang="zh-TW" dirty="0" smtClean="0"/>
-              <a:t>7</a:t>
+              <a:t>Task 7</a:t>
             </a:r>
             <a:endParaRPr lang="zh-TW" altLang="en-US" dirty="0"/>
           </a:p>
@@ -7886,13 +7872,8 @@
           <a:p>
             <a:r>
               <a:rPr lang="en-US" altLang="zh-TW" dirty="0" smtClean="0"/>
-              <a:t>Task: to predict whether </a:t>
-            </a:r>
-            <a:r>
-              <a:rPr lang="en-US" altLang="zh-TW" dirty="0" smtClean="0"/>
-              <a:t>the future friendship</a:t>
-            </a:r>
-            <a:endParaRPr lang="en-US" altLang="zh-TW" dirty="0" smtClean="0"/>
+              <a:t>Task: to predict whether the future friendship</a:t>
+            </a:r>
           </a:p>
           <a:p>
             <a:pPr lvl="1"/>
@@ -7900,7 +7881,6 @@
               <a:rPr lang="en-US" altLang="zh-TW" dirty="0" smtClean="0"/>
               <a:t>#User: 3000</a:t>
             </a:r>
-            <a:endParaRPr lang="en-US" altLang="zh-TW" dirty="0" smtClean="0"/>
           </a:p>
           <a:p>
             <a:pPr lvl="1"/>
@@ -7930,11 +7910,7 @@
             </a:r>
             <a:r>
               <a:rPr lang="en-US" altLang="zh-TW" dirty="0" smtClean="0"/>
-              <a:t>3730</a:t>
-            </a:r>
-            <a:r>
-              <a:rPr lang="en-US" altLang="zh-TW" dirty="0" smtClean="0"/>
-              <a:t>(+) </a:t>
+              <a:t>3730(+) </a:t>
             </a:r>
             <a:r>
               <a:rPr lang="en-US" altLang="zh-TW" dirty="0"/>
@@ -8150,11 +8126,6 @@
               </a:rPr>
               <a:t>pre_nodes_profile.csv</a:t>
             </a:r>
-            <a:endParaRPr lang="en-US" altLang="zh-TW" dirty="0" smtClean="0">
-              <a:solidFill>
-                <a:srgbClr val="00B050"/>
-              </a:solidFill>
-            </a:endParaRPr>
           </a:p>
         </p:txBody>
       </p:sp>
@@ -8366,7 +8337,7 @@
                         <m:supHide m:val="on"/>
                         <m:ctrlPr>
                           <a:rPr lang="zh-TW" altLang="en-US" i="1">
-                            <a:latin typeface="Cambria Math"/>
+                            <a:latin typeface="Cambria Math" panose="02040503050406030204" pitchFamily="18" charset="0"/>
                           </a:rPr>
                         </m:ctrlPr>
                       </m:naryPr>
@@ -8418,7 +8389,7 @@
                           <m:fPr>
                             <m:ctrlPr>
                               <a:rPr lang="en-US" altLang="zh-TW" i="1">
-                                <a:latin typeface="Cambria Math"/>
+                                <a:latin typeface="Cambria Math" panose="02040503050406030204" pitchFamily="18" charset="0"/>
                               </a:rPr>
                             </m:ctrlPr>
                           </m:fPr>
@@ -8433,7 +8404,7 @@
                               <m:sSubPr>
                                 <m:ctrlPr>
                                   <a:rPr lang="en-US" altLang="zh-TW" i="1">
-                                    <a:latin typeface="Cambria Math"/>
+                                    <a:latin typeface="Cambria Math" panose="02040503050406030204" pitchFamily="18" charset="0"/>
                                   </a:rPr>
                                 </m:ctrlPr>
                               </m:sSubPr>
@@ -8464,7 +8435,7 @@
                               <m:sSubPr>
                                 <m:ctrlPr>
                                   <a:rPr lang="en-US" altLang="zh-TW" i="1">
-                                    <a:latin typeface="Cambria Math"/>
+                                    <a:latin typeface="Cambria Math" panose="02040503050406030204" pitchFamily="18" charset="0"/>
                                   </a:rPr>
                                 </m:ctrlPr>
                               </m:sSubPr>
@@ -8474,7 +8445,7 @@
                                     <m:chr m:val="̂"/>
                                     <m:ctrlPr>
                                       <a:rPr lang="en-US" altLang="zh-TW" i="1">
-                                        <a:latin typeface="Cambria Math"/>
+                                        <a:latin typeface="Cambria Math" panose="02040503050406030204" pitchFamily="18" charset="0"/>
                                       </a:rPr>
                                     </m:ctrlPr>
                                   </m:accPr>
@@ -8728,13 +8699,19 @@
               <a:rPr lang="en-US" altLang="zh-TW" dirty="0">
                 <a:hlinkClick r:id="rId2"/>
               </a:rPr>
-              <a:t>https://</a:t>
-            </a:r>
-            <a:r>
-              <a:rPr lang="en-US" altLang="zh-TW" dirty="0" smtClean="0">
+              <a:t>https</a:t>
+            </a:r>
+            <a:r>
+              <a:rPr lang="en-US" altLang="zh-TW">
                 <a:hlinkClick r:id="rId2"/>
               </a:rPr>
-              <a:t>github.com/barry800414/sna_tutorial/archive/master.zip</a:t>
+              <a:t>://</a:t>
+            </a:r>
+            <a:r>
+              <a:rPr lang="en-US" altLang="zh-TW" smtClean="0">
+                <a:hlinkClick r:id="rId2"/>
+              </a:rPr>
+              <a:t>github.com/barry800414/sna_lecture/archive/master.zip</a:t>
             </a:r>
             <a:endParaRPr lang="en-US" altLang="zh-TW" dirty="0" smtClean="0"/>
           </a:p>
@@ -9010,13 +8987,8 @@
           <a:p>
             <a:r>
               <a:rPr lang="en-US" altLang="zh-TW" dirty="0" smtClean="0"/>
-              <a:t>task1/extract_feature.py  - Line </a:t>
-            </a:r>
-            <a:r>
-              <a:rPr lang="en-US" altLang="zh-TW" dirty="0" smtClean="0"/>
-              <a:t>33</a:t>
-            </a:r>
-            <a:endParaRPr lang="en-US" altLang="zh-TW" dirty="0" smtClean="0"/>
+              <a:t>task1/extract_feature.py  - Line 33</a:t>
+            </a:r>
           </a:p>
           <a:p>
             <a:r>
@@ -9277,13 +9249,8 @@
           <a:p>
             <a:r>
               <a:rPr lang="en-US" altLang="zh-TW" dirty="0" smtClean="0"/>
-              <a:t>task2/extract_feature.py – Line </a:t>
-            </a:r>
-            <a:r>
-              <a:rPr lang="en-US" altLang="zh-TW" dirty="0" smtClean="0"/>
-              <a:t>44</a:t>
-            </a:r>
-            <a:endParaRPr lang="en-US" altLang="zh-TW" dirty="0" smtClean="0"/>
+              <a:t>task2/extract_feature.py – Line 44</a:t>
+            </a:r>
           </a:p>
           <a:p>
             <a:r>

--- a/slides/SNA_LinkPrediction_Practice.pptx
+++ b/slides/SNA_LinkPrediction_Practice.pptx
@@ -126,7 +126,7 @@
   </p:defaultTextStyle>
   <p:extLst>
     <p:ext uri="{EFAFB233-063F-42B5-8137-9DF3F51BA10A}">
-      <p15:sldGuideLst xmlns:p15="http://schemas.microsoft.com/office/powerpoint/2012/main">
+      <p15:sldGuideLst xmlns:p15="http://schemas.microsoft.com/office/powerpoint/2012/main" xmlns="">
         <p15:guide id="1" orient="horz" pos="2160">
           <p15:clr>
             <a:srgbClr val="A4A3A4"/>
@@ -140,7 +140,7 @@
       </p15:sldGuideLst>
     </p:ext>
     <p:ext uri="{2D200454-40CA-4A62-9FC3-DE9A4176ACB9}">
-      <p15:notesGuideLst xmlns:p15="http://schemas.microsoft.com/office/powerpoint/2012/main">
+      <p15:notesGuideLst xmlns:p15="http://schemas.microsoft.com/office/powerpoint/2012/main" xmlns="">
         <p15:guide id="1" orient="horz" pos="3224">
           <p15:clr>
             <a:srgbClr val="A4A3A4"/>
@@ -240,7 +240,7 @@
             <a:fld id="{64881D3B-97AB-4062-B576-CAB89A6798AB}" type="datetimeFigureOut">
               <a:rPr lang="zh-TW" altLang="en-US" smtClean="0"/>
               <a:pPr/>
-              <a:t>2014/9/10</a:t>
+              <a:t>2014/9/11</a:t>
             </a:fld>
             <a:endParaRPr lang="zh-TW" altLang="en-US"/>
           </a:p>
@@ -407,7 +407,7 @@
             <a:fld id="{94247CB7-558F-4B5B-8CD1-5FF0A056DFB3}" type="datetimeFigureOut">
               <a:rPr lang="zh-TW" altLang="en-US" smtClean="0"/>
               <a:pPr/>
-              <a:t>2014/9/10</a:t>
+              <a:t>2014/9/11</a:t>
             </a:fld>
             <a:endParaRPr lang="zh-TW" altLang="en-US"/>
           </a:p>
@@ -6902,7 +6902,7 @@
                       <m:sSubPr>
                         <m:ctrlPr>
                           <a:rPr lang="en-US" altLang="zh-TW" b="0" i="1" dirty="0" smtClean="0">
-                            <a:latin typeface="Cambria Math" panose="02040503050406030204" pitchFamily="18" charset="0"/>
+                            <a:latin typeface="Cambria Math"/>
                           </a:rPr>
                         </m:ctrlPr>
                       </m:sSubPr>
@@ -6939,7 +6939,7 @@
                       <m:sSubPr>
                         <m:ctrlPr>
                           <a:rPr lang="en-US" altLang="zh-TW" b="0" i="1" dirty="0" smtClean="0">
-                            <a:latin typeface="Cambria Math" panose="02040503050406030204" pitchFamily="18" charset="0"/>
+                            <a:latin typeface="Cambria Math"/>
                           </a:rPr>
                         </m:ctrlPr>
                       </m:sSubPr>
@@ -7027,7 +7027,7 @@
                             <a:solidFill>
                               <a:srgbClr val="0D13FF"/>
                             </a:solidFill>
-                            <a:latin typeface="Cambria Math" panose="02040503050406030204" pitchFamily="18" charset="0"/>
+                            <a:latin typeface="Cambria Math"/>
                           </a:rPr>
                         </m:ctrlPr>
                       </m:fPr>
@@ -7041,7 +7041,7 @@
                                 <a:solidFill>
                                   <a:srgbClr val="0D13FF"/>
                                 </a:solidFill>
-                                <a:latin typeface="Cambria Math" panose="02040503050406030204" pitchFamily="18" charset="0"/>
+                                <a:latin typeface="Cambria Math"/>
                               </a:rPr>
                             </m:ctrlPr>
                           </m:dPr>
@@ -7053,7 +7053,7 @@
                                     <a:solidFill>
                                       <a:srgbClr val="0D13FF"/>
                                     </a:solidFill>
-                                    <a:latin typeface="Cambria Math" panose="02040503050406030204" pitchFamily="18" charset="0"/>
+                                    <a:latin typeface="Cambria Math"/>
                                   </a:rPr>
                                 </m:ctrlPr>
                               </m:sSubPr>
@@ -7115,7 +7115,7 @@
                                     <a:solidFill>
                                       <a:srgbClr val="0D13FF"/>
                                     </a:solidFill>
-                                    <a:latin typeface="Cambria Math" panose="02040503050406030204" pitchFamily="18" charset="0"/>
+                                    <a:latin typeface="Cambria Math"/>
                                   </a:rPr>
                                 </m:ctrlPr>
                               </m:sSubPr>
@@ -7155,7 +7155,7 @@
                                 <a:solidFill>
                                   <a:srgbClr val="0D13FF"/>
                                 </a:solidFill>
-                                <a:latin typeface="Cambria Math" panose="02040503050406030204" pitchFamily="18" charset="0"/>
+                                <a:latin typeface="Cambria Math"/>
                               </a:rPr>
                             </m:ctrlPr>
                           </m:dPr>
@@ -7167,7 +7167,7 @@
                                     <a:solidFill>
                                       <a:srgbClr val="0D13FF"/>
                                     </a:solidFill>
-                                    <a:latin typeface="Cambria Math" panose="02040503050406030204" pitchFamily="18" charset="0"/>
+                                    <a:latin typeface="Cambria Math"/>
                                   </a:rPr>
                                 </m:ctrlPr>
                               </m:sSubPr>
@@ -7229,7 +7229,7 @@
                                     <a:solidFill>
                                       <a:srgbClr val="0D13FF"/>
                                     </a:solidFill>
-                                    <a:latin typeface="Cambria Math" panose="02040503050406030204" pitchFamily="18" charset="0"/>
+                                    <a:latin typeface="Cambria Math"/>
                                   </a:rPr>
                                 </m:ctrlPr>
                               </m:sSubPr>
@@ -8337,7 +8337,7 @@
                         <m:supHide m:val="on"/>
                         <m:ctrlPr>
                           <a:rPr lang="zh-TW" altLang="en-US" i="1">
-                            <a:latin typeface="Cambria Math" panose="02040503050406030204" pitchFamily="18" charset="0"/>
+                            <a:latin typeface="Cambria Math"/>
                           </a:rPr>
                         </m:ctrlPr>
                       </m:naryPr>
@@ -8389,7 +8389,7 @@
                           <m:fPr>
                             <m:ctrlPr>
                               <a:rPr lang="en-US" altLang="zh-TW" i="1">
-                                <a:latin typeface="Cambria Math" panose="02040503050406030204" pitchFamily="18" charset="0"/>
+                                <a:latin typeface="Cambria Math"/>
                               </a:rPr>
                             </m:ctrlPr>
                           </m:fPr>
@@ -8404,7 +8404,7 @@
                               <m:sSubPr>
                                 <m:ctrlPr>
                                   <a:rPr lang="en-US" altLang="zh-TW" i="1">
-                                    <a:latin typeface="Cambria Math" panose="02040503050406030204" pitchFamily="18" charset="0"/>
+                                    <a:latin typeface="Cambria Math"/>
                                   </a:rPr>
                                 </m:ctrlPr>
                               </m:sSubPr>
@@ -8435,7 +8435,7 @@
                               <m:sSubPr>
                                 <m:ctrlPr>
                                   <a:rPr lang="en-US" altLang="zh-TW" i="1">
-                                    <a:latin typeface="Cambria Math" panose="02040503050406030204" pitchFamily="18" charset="0"/>
+                                    <a:latin typeface="Cambria Math"/>
                                   </a:rPr>
                                 </m:ctrlPr>
                               </m:sSubPr>
@@ -8445,7 +8445,7 @@
                                     <m:chr m:val="̂"/>
                                     <m:ctrlPr>
                                       <a:rPr lang="en-US" altLang="zh-TW" i="1">
-                                        <a:latin typeface="Cambria Math" panose="02040503050406030204" pitchFamily="18" charset="0"/>
+                                        <a:latin typeface="Cambria Math"/>
                                       </a:rPr>
                                     </m:ctrlPr>
                                   </m:accPr>
